--- a/logo/logo.pptx
+++ b/logo/logo.pptx
@@ -3251,7 +3251,7 @@
       </p:sp>
       <p:pic>
         <p:nvPicPr>
-          <p:cNvPr id="14" name="Picture 13"/>
+          <p:cNvPr id="17" name="Picture 16"/>
           <p:cNvPicPr>
             <a:picLocks noChangeAspect="1"/>
           </p:cNvPicPr>
@@ -3265,55 +3265,190 @@
         </p:blipFill>
         <p:spPr>
           <a:xfrm>
-            <a:off x="4716693" y="4578561"/>
-            <a:ext cx="1656099" cy="932936"/>
+            <a:off x="5790686" y="2343407"/>
+            <a:ext cx="754129" cy="754129"/>
           </a:xfrm>
           <a:prstGeom prst="rect">
             <a:avLst/>
           </a:prstGeom>
         </p:spPr>
       </p:pic>
-      <p:sp>
-        <p:nvSpPr>
-          <p:cNvPr id="15" name="Rectangle 14"/>
-          <p:cNvSpPr/>
+      <p:grpSp>
+        <p:nvGrpSpPr>
+          <p:cNvPr id="24" name="Group 23"/>
+          <p:cNvGrpSpPr/>
           <p:nvPr/>
-        </p:nvSpPr>
-        <p:spPr>
+        </p:nvGrpSpPr>
+        <p:grpSpPr>
           <a:xfrm>
-            <a:off x="6544815" y="4642861"/>
-            <a:ext cx="2208043" cy="707886"/>
+            <a:off x="4716693" y="4578561"/>
+            <a:ext cx="4036165" cy="981996"/>
+            <a:chOff x="4716693" y="4578561"/>
+            <a:chExt cx="4036165" cy="981996"/>
           </a:xfrm>
-          <a:prstGeom prst="rect">
-            <a:avLst/>
-          </a:prstGeom>
-        </p:spPr>
-        <p:txBody>
-          <a:bodyPr wrap="none">
-            <a:spAutoFit/>
-          </a:bodyPr>
-          <a:lstStyle/>
-          <a:p>
-            <a:r>
-              <a:rPr lang="en-US" sz="4000" b="1" dirty="0" err="1" smtClean="0">
+        </p:grpSpPr>
+        <p:sp>
+          <p:nvSpPr>
+            <p:cNvPr id="15" name="Rectangle 14"/>
+            <p:cNvSpPr/>
+            <p:nvPr/>
+          </p:nvSpPr>
+          <p:spPr>
+            <a:xfrm>
+              <a:off x="6544815" y="4642861"/>
+              <a:ext cx="2208043" cy="707886"/>
+            </a:xfrm>
+            <a:prstGeom prst="rect">
+              <a:avLst/>
+            </a:prstGeom>
+          </p:spPr>
+          <p:txBody>
+            <a:bodyPr wrap="none">
+              <a:spAutoFit/>
+            </a:bodyPr>
+            <a:lstStyle/>
+            <a:p>
+              <a:r>
+                <a:rPr lang="en-US" sz="4000" b="1" dirty="0" err="1" smtClean="0">
+                  <a:solidFill>
+                    <a:srgbClr val="0F80FF"/>
+                  </a:solidFill>
+                  <a:latin typeface="Apple Chancery"/>
+                  <a:cs typeface="Apple Chancery"/>
+                </a:rPr>
+                <a:t>EnnCore</a:t>
+              </a:r>
+              <a:endParaRPr lang="en-US" sz="4000" b="1" dirty="0">
                 <a:solidFill>
                   <a:srgbClr val="0F80FF"/>
                 </a:solidFill>
                 <a:latin typeface="Apple Chancery"/>
                 <a:cs typeface="Apple Chancery"/>
-              </a:rPr>
-              <a:t>EnnCore</a:t>
-            </a:r>
-            <a:endParaRPr lang="en-US" sz="4000" b="1" dirty="0">
-              <a:solidFill>
-                <a:srgbClr val="0F80FF"/>
-              </a:solidFill>
-              <a:latin typeface="Apple Chancery"/>
-              <a:cs typeface="Apple Chancery"/>
-            </a:endParaRPr>
-          </a:p>
-        </p:txBody>
-      </p:sp>
+              </a:endParaRPr>
+            </a:p>
+          </p:txBody>
+        </p:sp>
+        <p:pic>
+          <p:nvPicPr>
+            <p:cNvPr id="14" name="Picture 13"/>
+            <p:cNvPicPr>
+              <a:picLocks noChangeAspect="1"/>
+            </p:cNvPicPr>
+            <p:nvPr/>
+          </p:nvPicPr>
+          <p:blipFill>
+            <a:blip r:embed="rId6"/>
+            <a:stretch>
+              <a:fillRect/>
+            </a:stretch>
+          </p:blipFill>
+          <p:spPr>
+            <a:xfrm>
+              <a:off x="4716693" y="4578561"/>
+              <a:ext cx="1656099" cy="932936"/>
+            </a:xfrm>
+            <a:prstGeom prst="rect">
+              <a:avLst/>
+            </a:prstGeom>
+          </p:spPr>
+        </p:pic>
+        <p:grpSp>
+          <p:nvGrpSpPr>
+            <p:cNvPr id="23" name="Group 22"/>
+            <p:cNvGrpSpPr/>
+            <p:nvPr/>
+          </p:nvGrpSpPr>
+          <p:grpSpPr>
+            <a:xfrm>
+              <a:off x="5261797" y="4762816"/>
+              <a:ext cx="819945" cy="797741"/>
+              <a:chOff x="6544815" y="3271627"/>
+              <a:chExt cx="819945" cy="797741"/>
+            </a:xfrm>
+          </p:grpSpPr>
+          <p:sp>
+            <p:nvSpPr>
+              <p:cNvPr id="18" name="Oval 17"/>
+              <p:cNvSpPr/>
+              <p:nvPr/>
+            </p:nvSpPr>
+            <p:spPr>
+              <a:xfrm>
+                <a:off x="6544815" y="3271627"/>
+                <a:ext cx="546630" cy="551155"/>
+              </a:xfrm>
+              <a:prstGeom prst="ellipse">
+                <a:avLst/>
+              </a:prstGeom>
+              <a:noFill/>
+              <a:ln w="19050" cmpd="sng">
+                <a:solidFill>
+                  <a:schemeClr val="bg1"/>
+                </a:solidFill>
+              </a:ln>
+            </p:spPr>
+            <p:style>
+              <a:lnRef idx="1">
+                <a:schemeClr val="accent1"/>
+              </a:lnRef>
+              <a:fillRef idx="3">
+                <a:schemeClr val="accent1"/>
+              </a:fillRef>
+              <a:effectRef idx="2">
+                <a:schemeClr val="accent1"/>
+              </a:effectRef>
+              <a:fontRef idx="minor">
+                <a:schemeClr val="lt1"/>
+              </a:fontRef>
+            </p:style>
+            <p:txBody>
+              <a:bodyPr rtlCol="0" anchor="ctr"/>
+              <a:lstStyle/>
+              <a:p>
+                <a:pPr algn="ctr"/>
+                <a:endParaRPr lang="en-US"/>
+              </a:p>
+            </p:txBody>
+          </p:sp>
+          <p:cxnSp>
+            <p:nvCxnSpPr>
+              <p:cNvPr id="20" name="Straight Connector 19"/>
+              <p:cNvCxnSpPr>
+                <a:stCxn id="18" idx="5"/>
+              </p:cNvCxnSpPr>
+              <p:nvPr/>
+            </p:nvCxnSpPr>
+            <p:spPr>
+              <a:xfrm>
+                <a:off x="7011393" y="3742067"/>
+                <a:ext cx="353367" cy="327301"/>
+              </a:xfrm>
+              <a:prstGeom prst="line">
+                <a:avLst/>
+              </a:prstGeom>
+              <a:ln w="57150" cmpd="sng">
+                <a:solidFill>
+                  <a:schemeClr val="bg1"/>
+                </a:solidFill>
+              </a:ln>
+            </p:spPr>
+            <p:style>
+              <a:lnRef idx="2">
+                <a:schemeClr val="accent1"/>
+              </a:lnRef>
+              <a:fillRef idx="0">
+                <a:schemeClr val="accent1"/>
+              </a:fillRef>
+              <a:effectRef idx="1">
+                <a:schemeClr val="accent1"/>
+              </a:effectRef>
+              <a:fontRef idx="minor">
+                <a:schemeClr val="tx1"/>
+              </a:fontRef>
+            </p:style>
+          </p:cxnSp>
+        </p:grpSp>
+      </p:grpSp>
     </p:spTree>
     <p:extLst>
       <p:ext uri="{BB962C8B-B14F-4D97-AF65-F5344CB8AC3E}">
